--- a/Fig/Note.pptx
+++ b/Fig/Note.pptx
@@ -7,6 +7,8 @@
   <p:sldIdLst>
     <p:sldId id="256" r:id="rId2"/>
     <p:sldId id="257" r:id="rId3"/>
+    <p:sldId id="258" r:id="rId4"/>
+    <p:sldId id="259" r:id="rId5"/>
   </p:sldIdLst>
   <p:sldSz cx="12192000" cy="6858000"/>
   <p:notesSz cx="6858000" cy="9144000"/>
@@ -105,6 +107,11 @@
       </a:defRPr>
     </a:lvl9pPr>
   </p:defaultTextStyle>
+  <p:extLst>
+    <p:ext uri="{EFAFB233-063F-42B5-8137-9DF3F51BA10A}">
+      <p15:sldGuideLst xmlns:p15="http://schemas.microsoft.com/office/powerpoint/2012/main"/>
+    </p:ext>
+  </p:extLst>
 </p:presentation>
 </file>
 
@@ -255,7 +262,7 @@
           <a:p>
             <a:fld id="{835DC199-1EDE-436F-B79D-2FFE40FBB974}" type="datetimeFigureOut">
               <a:rPr lang="zh-CN" altLang="en-US" smtClean="0"/>
-              <a:t>2025/5/20</a:t>
+              <a:t>2025/6/12</a:t>
             </a:fld>
             <a:endParaRPr lang="zh-CN" altLang="en-US"/>
           </a:p>
@@ -453,7 +460,7 @@
           <a:p>
             <a:fld id="{835DC199-1EDE-436F-B79D-2FFE40FBB974}" type="datetimeFigureOut">
               <a:rPr lang="zh-CN" altLang="en-US" smtClean="0"/>
-              <a:t>2025/5/20</a:t>
+              <a:t>2025/6/12</a:t>
             </a:fld>
             <a:endParaRPr lang="zh-CN" altLang="en-US"/>
           </a:p>
@@ -661,7 +668,7 @@
           <a:p>
             <a:fld id="{835DC199-1EDE-436F-B79D-2FFE40FBB974}" type="datetimeFigureOut">
               <a:rPr lang="zh-CN" altLang="en-US" smtClean="0"/>
-              <a:t>2025/5/20</a:t>
+              <a:t>2025/6/12</a:t>
             </a:fld>
             <a:endParaRPr lang="zh-CN" altLang="en-US"/>
           </a:p>
@@ -859,7 +866,7 @@
           <a:p>
             <a:fld id="{835DC199-1EDE-436F-B79D-2FFE40FBB974}" type="datetimeFigureOut">
               <a:rPr lang="zh-CN" altLang="en-US" smtClean="0"/>
-              <a:t>2025/5/20</a:t>
+              <a:t>2025/6/12</a:t>
             </a:fld>
             <a:endParaRPr lang="zh-CN" altLang="en-US"/>
           </a:p>
@@ -1134,7 +1141,7 @@
           <a:p>
             <a:fld id="{835DC199-1EDE-436F-B79D-2FFE40FBB974}" type="datetimeFigureOut">
               <a:rPr lang="zh-CN" altLang="en-US" smtClean="0"/>
-              <a:t>2025/5/20</a:t>
+              <a:t>2025/6/12</a:t>
             </a:fld>
             <a:endParaRPr lang="zh-CN" altLang="en-US"/>
           </a:p>
@@ -1399,7 +1406,7 @@
           <a:p>
             <a:fld id="{835DC199-1EDE-436F-B79D-2FFE40FBB974}" type="datetimeFigureOut">
               <a:rPr lang="zh-CN" altLang="en-US" smtClean="0"/>
-              <a:t>2025/5/20</a:t>
+              <a:t>2025/6/12</a:t>
             </a:fld>
             <a:endParaRPr lang="zh-CN" altLang="en-US"/>
           </a:p>
@@ -1811,7 +1818,7 @@
           <a:p>
             <a:fld id="{835DC199-1EDE-436F-B79D-2FFE40FBB974}" type="datetimeFigureOut">
               <a:rPr lang="zh-CN" altLang="en-US" smtClean="0"/>
-              <a:t>2025/5/20</a:t>
+              <a:t>2025/6/12</a:t>
             </a:fld>
             <a:endParaRPr lang="zh-CN" altLang="en-US"/>
           </a:p>
@@ -1952,7 +1959,7 @@
           <a:p>
             <a:fld id="{835DC199-1EDE-436F-B79D-2FFE40FBB974}" type="datetimeFigureOut">
               <a:rPr lang="zh-CN" altLang="en-US" smtClean="0"/>
-              <a:t>2025/5/20</a:t>
+              <a:t>2025/6/12</a:t>
             </a:fld>
             <a:endParaRPr lang="zh-CN" altLang="en-US"/>
           </a:p>
@@ -2065,7 +2072,7 @@
           <a:p>
             <a:fld id="{835DC199-1EDE-436F-B79D-2FFE40FBB974}" type="datetimeFigureOut">
               <a:rPr lang="zh-CN" altLang="en-US" smtClean="0"/>
-              <a:t>2025/5/20</a:t>
+              <a:t>2025/6/12</a:t>
             </a:fld>
             <a:endParaRPr lang="zh-CN" altLang="en-US"/>
           </a:p>
@@ -2376,7 +2383,7 @@
           <a:p>
             <a:fld id="{835DC199-1EDE-436F-B79D-2FFE40FBB974}" type="datetimeFigureOut">
               <a:rPr lang="zh-CN" altLang="en-US" smtClean="0"/>
-              <a:t>2025/5/20</a:t>
+              <a:t>2025/6/12</a:t>
             </a:fld>
             <a:endParaRPr lang="zh-CN" altLang="en-US"/>
           </a:p>
@@ -2664,7 +2671,7 @@
           <a:p>
             <a:fld id="{835DC199-1EDE-436F-B79D-2FFE40FBB974}" type="datetimeFigureOut">
               <a:rPr lang="zh-CN" altLang="en-US" smtClean="0"/>
-              <a:t>2025/5/20</a:t>
+              <a:t>2025/6/12</a:t>
             </a:fld>
             <a:endParaRPr lang="zh-CN" altLang="en-US"/>
           </a:p>
@@ -2905,7 +2912,7 @@
           <a:p>
             <a:fld id="{835DC199-1EDE-436F-B79D-2FFE40FBB974}" type="datetimeFigureOut">
               <a:rPr lang="zh-CN" altLang="en-US" smtClean="0"/>
-              <a:t>2025/5/20</a:t>
+              <a:t>2025/6/12</a:t>
             </a:fld>
             <a:endParaRPr lang="zh-CN" altLang="en-US"/>
           </a:p>
@@ -3494,8 +3501,38 @@
         </p:blipFill>
         <p:spPr>
           <a:xfrm>
-            <a:off x="2334819" y="1173412"/>
+            <a:off x="595084" y="1220913"/>
             <a:ext cx="4594764" cy="3446073"/>
+          </a:xfrm>
+          <a:prstGeom prst="rect">
+            <a:avLst/>
+          </a:prstGeom>
+        </p:spPr>
+      </p:pic>
+      <p:pic>
+        <p:nvPicPr>
+          <p:cNvPr id="3" name="图片 2">
+            <a:extLst>
+              <a:ext uri="{FF2B5EF4-FFF2-40B4-BE49-F238E27FC236}">
+                <a16:creationId xmlns:a16="http://schemas.microsoft.com/office/drawing/2014/main" id="{F8B3573F-24E2-480B-8322-ABA474FCC2D1}"/>
+              </a:ext>
+            </a:extLst>
+          </p:cNvPr>
+          <p:cNvPicPr>
+            <a:picLocks noChangeAspect="1"/>
+          </p:cNvPicPr>
+          <p:nvPr/>
+        </p:nvPicPr>
+        <p:blipFill>
+          <a:blip r:embed="rId3"/>
+          <a:stretch>
+            <a:fillRect/>
+          </a:stretch>
+        </p:blipFill>
+        <p:spPr>
+          <a:xfrm>
+            <a:off x="5791943" y="1011734"/>
+            <a:ext cx="5524500" cy="3864429"/>
           </a:xfrm>
           <a:prstGeom prst="rect">
             <a:avLst/>
@@ -3506,6 +3543,156 @@
     <p:extLst>
       <p:ext uri="{BB962C8B-B14F-4D97-AF65-F5344CB8AC3E}">
         <p14:creationId xmlns:p14="http://schemas.microsoft.com/office/powerpoint/2010/main" val="384587918"/>
+      </p:ext>
+    </p:extLst>
+  </p:cSld>
+  <p:clrMapOvr>
+    <a:masterClrMapping/>
+  </p:clrMapOvr>
+</p:sld>
+</file>
+
+<file path=ppt/slides/slide3.xml><?xml version="1.0" encoding="utf-8"?>
+<p:sld xmlns:a="http://schemas.openxmlformats.org/drawingml/2006/main" xmlns:r="http://schemas.openxmlformats.org/officeDocument/2006/relationships" xmlns:p="http://schemas.openxmlformats.org/presentationml/2006/main">
+  <p:cSld>
+    <p:spTree>
+      <p:nvGrpSpPr>
+        <p:cNvPr id="1" name=""/>
+        <p:cNvGrpSpPr/>
+        <p:nvPr/>
+      </p:nvGrpSpPr>
+      <p:grpSpPr>
+        <a:xfrm>
+          <a:off x="0" y="0"/>
+          <a:ext cx="0" cy="0"/>
+          <a:chOff x="0" y="0"/>
+          <a:chExt cx="0" cy="0"/>
+        </a:xfrm>
+      </p:grpSpPr>
+      <p:pic>
+        <p:nvPicPr>
+          <p:cNvPr id="4" name="图片 3">
+            <a:extLst>
+              <a:ext uri="{FF2B5EF4-FFF2-40B4-BE49-F238E27FC236}">
+                <a16:creationId xmlns:a16="http://schemas.microsoft.com/office/drawing/2014/main" id="{CADA0AB7-B241-4BC3-A477-60B738EDC96B}"/>
+              </a:ext>
+            </a:extLst>
+          </p:cNvPr>
+          <p:cNvPicPr>
+            <a:picLocks noChangeAspect="1"/>
+          </p:cNvPicPr>
+          <p:nvPr/>
+        </p:nvPicPr>
+        <p:blipFill>
+          <a:blip r:embed="rId2"/>
+          <a:stretch>
+            <a:fillRect/>
+          </a:stretch>
+        </p:blipFill>
+        <p:spPr>
+          <a:xfrm>
+            <a:off x="571500" y="1372094"/>
+            <a:ext cx="5524500" cy="3864429"/>
+          </a:xfrm>
+          <a:prstGeom prst="rect">
+            <a:avLst/>
+          </a:prstGeom>
+        </p:spPr>
+      </p:pic>
+      <p:pic>
+        <p:nvPicPr>
+          <p:cNvPr id="3" name="图片 2">
+            <a:extLst>
+              <a:ext uri="{FF2B5EF4-FFF2-40B4-BE49-F238E27FC236}">
+                <a16:creationId xmlns:a16="http://schemas.microsoft.com/office/drawing/2014/main" id="{72720A80-C059-48A7-98D6-EA1345ABC24B}"/>
+              </a:ext>
+            </a:extLst>
+          </p:cNvPr>
+          <p:cNvPicPr>
+            <a:picLocks noChangeAspect="1"/>
+          </p:cNvPicPr>
+          <p:nvPr/>
+        </p:nvPicPr>
+        <p:blipFill>
+          <a:blip r:embed="rId3"/>
+          <a:stretch>
+            <a:fillRect/>
+          </a:stretch>
+        </p:blipFill>
+        <p:spPr>
+          <a:xfrm>
+            <a:off x="6096000" y="1375062"/>
+            <a:ext cx="5524500" cy="3864429"/>
+          </a:xfrm>
+          <a:prstGeom prst="rect">
+            <a:avLst/>
+          </a:prstGeom>
+        </p:spPr>
+      </p:pic>
+    </p:spTree>
+    <p:extLst>
+      <p:ext uri="{BB962C8B-B14F-4D97-AF65-F5344CB8AC3E}">
+        <p14:creationId xmlns:p14="http://schemas.microsoft.com/office/powerpoint/2010/main" val="2848677376"/>
+      </p:ext>
+    </p:extLst>
+  </p:cSld>
+  <p:clrMapOvr>
+    <a:masterClrMapping/>
+  </p:clrMapOvr>
+</p:sld>
+</file>
+
+<file path=ppt/slides/slide4.xml><?xml version="1.0" encoding="utf-8"?>
+<p:sld xmlns:a="http://schemas.openxmlformats.org/drawingml/2006/main" xmlns:r="http://schemas.openxmlformats.org/officeDocument/2006/relationships" xmlns:p="http://schemas.openxmlformats.org/presentationml/2006/main">
+  <p:cSld>
+    <p:spTree>
+      <p:nvGrpSpPr>
+        <p:cNvPr id="1" name=""/>
+        <p:cNvGrpSpPr/>
+        <p:nvPr/>
+      </p:nvGrpSpPr>
+      <p:grpSpPr>
+        <a:xfrm>
+          <a:off x="0" y="0"/>
+          <a:ext cx="0" cy="0"/>
+          <a:chOff x="0" y="0"/>
+          <a:chExt cx="0" cy="0"/>
+        </a:xfrm>
+      </p:grpSpPr>
+      <p:pic>
+        <p:nvPicPr>
+          <p:cNvPr id="5" name="图片 4">
+            <a:extLst>
+              <a:ext uri="{FF2B5EF4-FFF2-40B4-BE49-F238E27FC236}">
+                <a16:creationId xmlns:a16="http://schemas.microsoft.com/office/drawing/2014/main" id="{64D53893-C5FE-4D3D-B654-1ED5E7563625}"/>
+              </a:ext>
+            </a:extLst>
+          </p:cNvPr>
+          <p:cNvPicPr>
+            <a:picLocks noChangeAspect="1"/>
+          </p:cNvPicPr>
+          <p:nvPr/>
+        </p:nvPicPr>
+        <p:blipFill>
+          <a:blip r:embed="rId2"/>
+          <a:stretch>
+            <a:fillRect/>
+          </a:stretch>
+        </p:blipFill>
+        <p:spPr>
+          <a:xfrm>
+            <a:off x="3286249" y="1241465"/>
+            <a:ext cx="5524500" cy="3864429"/>
+          </a:xfrm>
+          <a:prstGeom prst="rect">
+            <a:avLst/>
+          </a:prstGeom>
+        </p:spPr>
+      </p:pic>
+    </p:spTree>
+    <p:extLst>
+      <p:ext uri="{BB962C8B-B14F-4D97-AF65-F5344CB8AC3E}">
+        <p14:creationId xmlns:p14="http://schemas.microsoft.com/office/powerpoint/2010/main" val="1766938805"/>
       </p:ext>
     </p:extLst>
   </p:cSld>
